--- a/Resume And Portfolio/1파이썬-포트폴리오.pptx
+++ b/Resume And Portfolio/1파이썬-포트폴리오.pptx
@@ -28,7 +28,7 @@
     <p:sldId id="276" r:id="rId22"/>
     <p:sldId id="277" r:id="rId23"/>
   </p:sldIdLst>
-  <p:sldSz cx="18288000" cy="10287000"/>
+  <p:sldSz cx="18288000" cy="10287000" type="screen4x3"/>
   <p:notesSz cx="10287000" cy="18288000"/>
   <p:defaultTextStyle>
     <a:defPPr>
@@ -127,18 +127,7 @@
   </p:defaultTextStyle>
   <p:extLst>
     <p:ext uri="{EFAFB233-063F-42B5-8137-9DF3F51BA10A}">
-      <p15:sldGuideLst xmlns:p15="http://schemas.microsoft.com/office/powerpoint/2012/main">
-        <p15:guide id="1" orient="horz" pos="2160">
-          <p15:clr>
-            <a:srgbClr val="A4A3A4"/>
-          </p15:clr>
-        </p15:guide>
-        <p15:guide id="2" pos="2880">
-          <p15:clr>
-            <a:srgbClr val="A4A3A4"/>
-          </p15:clr>
-        </p15:guide>
-      </p15:sldGuideLst>
+      <p15:sldGuideLst xmlns:p15="http://schemas.microsoft.com/office/powerpoint/2012/main"/>
     </p:ext>
   </p:extLst>
 </p:presentation>
@@ -490,7 +479,7 @@
           <a:p>
             <a:fld id="{A76116CE-C4A3-4A05-B2D7-7C2E9A889C0F}" type="datetimeFigureOut">
               <a:rPr lang="en-US" smtClean="0"/>
-              <a:t>12/24/2021</a:t>
+              <a:t>1/30/2017</a:t>
             </a:fld>
             <a:endParaRPr lang="en-US"/>
           </a:p>
@@ -665,7 +654,7 @@
           <a:p>
             <a:fld id="{A76116CE-C4A3-4A05-B2D7-7C2E9A889C0F}" type="datetimeFigureOut">
               <a:rPr lang="en-US" smtClean="0"/>
-              <a:t>12/24/2021</a:t>
+              <a:t>1/30/2017</a:t>
             </a:fld>
             <a:endParaRPr lang="en-US"/>
           </a:p>
@@ -1356,7 +1345,7 @@
           <a:p>
             <a:fld id="{A76116CE-C4A3-4A05-B2D7-7C2E9A889C0F}" type="datetimeFigureOut">
               <a:rPr lang="en-US" smtClean="0"/>
-              <a:t>12/24/2021</a:t>
+              <a:t>1/30/2017</a:t>
             </a:fld>
             <a:endParaRPr lang="en-US"/>
           </a:p>
@@ -1773,7 +1762,7 @@
           <a:p>
             <a:fld id="{A76116CE-C4A3-4A05-B2D7-7C2E9A889C0F}" type="datetimeFigureOut">
               <a:rPr lang="en-US" smtClean="0"/>
-              <a:t>12/24/2021</a:t>
+              <a:t>1/30/2017</a:t>
             </a:fld>
             <a:endParaRPr lang="en-US"/>
           </a:p>
@@ -1886,7 +1875,7 @@
           <a:p>
             <a:fld id="{A76116CE-C4A3-4A05-B2D7-7C2E9A889C0F}" type="datetimeFigureOut">
               <a:rPr lang="en-US" smtClean="0"/>
-              <a:t>12/24/2021</a:t>
+              <a:t>1/30/2017</a:t>
             </a:fld>
             <a:endParaRPr lang="en-US"/>
           </a:p>
@@ -1976,7 +1965,7 @@
           <a:p>
             <a:fld id="{A76116CE-C4A3-4A05-B2D7-7C2E9A889C0F}" type="datetimeFigureOut">
               <a:rPr lang="en-US" smtClean="0"/>
-              <a:t>12/24/2021</a:t>
+              <a:t>1/30/2017</a:t>
             </a:fld>
             <a:endParaRPr lang="en-US"/>
           </a:p>
@@ -2248,7 +2237,7 @@
           <a:p>
             <a:fld id="{A76116CE-C4A3-4A05-B2D7-7C2E9A889C0F}" type="datetimeFigureOut">
               <a:rPr lang="en-US" smtClean="0"/>
-              <a:t>12/24/2021</a:t>
+              <a:t>1/30/2017</a:t>
             </a:fld>
             <a:endParaRPr lang="en-US"/>
           </a:p>
@@ -2496,7 +2485,7 @@
           <a:p>
             <a:fld id="{A76116CE-C4A3-4A05-B2D7-7C2E9A889C0F}" type="datetimeFigureOut">
               <a:rPr lang="en-US" smtClean="0"/>
-              <a:t>12/24/2021</a:t>
+              <a:t>1/30/2017</a:t>
             </a:fld>
             <a:endParaRPr lang="en-US"/>
           </a:p>
@@ -2704,7 +2693,7 @@
           <a:p>
             <a:fld id="{F8166F1F-CE9B-4651-A6AA-CD717754106B}" type="datetimeFigureOut">
               <a:rPr lang="en-US" smtClean="0"/>
-              <a:t>12/24/2021</a:t>
+              <a:t>6/13/2013</a:t>
             </a:fld>
             <a:endParaRPr lang="en-US"/>
           </a:p>
@@ -2782,7 +2771,7 @@
           <a:p>
             <a:fld id="{F7021451-1387-4CA6-816F-3879F97B5CBC}" type="slidenum">
               <a:rPr lang="en-US" smtClean="0"/>
-              <a:t>‹#›</a:t>
+              <a:t>�#�</a:t>
             </a:fld>
             <a:endParaRPr lang="en-US"/>
           </a:p>
@@ -2793,16 +2782,16 @@
   <p:clrMap bg1="lt1" tx1="dk1" bg2="lt2" tx2="dk2" accent1="accent1" accent2="accent2" accent3="accent3" accent4="accent4" accent5="accent5" accent6="accent6" hlink="hlink" folHlink="folHlink"/>
   <p:sldLayoutIdLst>
     <p:sldLayoutId id="2147483649" r:id="rId1"/>
-    <p:sldLayoutId id="2147483650" r:id="rId2"/>
-    <p:sldLayoutId id="2147483651" r:id="rId3"/>
-    <p:sldLayoutId id="2147483652" r:id="rId4"/>
-    <p:sldLayoutId id="2147483653" r:id="rId5"/>
-    <p:sldLayoutId id="2147483654" r:id="rId6"/>
-    <p:sldLayoutId id="2147483655" r:id="rId7"/>
-    <p:sldLayoutId id="2147483656" r:id="rId8"/>
-    <p:sldLayoutId id="2147483657" r:id="rId9"/>
-    <p:sldLayoutId id="2147483658" r:id="rId10"/>
-    <p:sldLayoutId id="2147483659" r:id="rId11"/>
+    <p:sldLayoutId id="2147483650" r:id="rId3"/>
+    <p:sldLayoutId id="2147483651" r:id="rId4"/>
+    <p:sldLayoutId id="2147483652" r:id="rId5"/>
+    <p:sldLayoutId id="2147483653" r:id="rId6"/>
+    <p:sldLayoutId id="2147483654" r:id="rId7"/>
+    <p:sldLayoutId id="2147483655" r:id="rId8"/>
+    <p:sldLayoutId id="2147483656" r:id="rId9"/>
+    <p:sldLayoutId id="2147483657" r:id="rId10"/>
+    <p:sldLayoutId id="2147483658" r:id="rId11"/>
+    <p:sldLayoutId id="2147483659" r:id="rId12"/>
   </p:sldLayoutIdLst>
   <p:txStyles>
     <p:titleStyle>
@@ -3090,7 +3079,7 @@
         </p:nvGrpSpPr>
         <p:grpSpPr>
           <a:xfrm>
-            <a:off x="838200" y="320000"/>
+            <a:off x="833423" y="230009"/>
             <a:ext cx="17222282" cy="9516622"/>
             <a:chOff x="833423" y="230009"/>
             <a:chExt cx="17222282" cy="9516622"/>
@@ -4418,8 +4407,8 @@
         </p:blipFill>
         <p:spPr>
           <a:xfrm>
-            <a:off x="1276982" y="6388276"/>
-            <a:ext cx="3806888" cy="761886"/>
+            <a:off x="1276982" y="6388278"/>
+            <a:ext cx="3955968" cy="761886"/>
           </a:xfrm>
           <a:prstGeom prst="rect">
             <a:avLst/>
@@ -6068,7 +6057,7 @@
         </p:blipFill>
         <p:spPr>
           <a:xfrm>
-            <a:off x="2303447" y="3681891"/>
+            <a:off x="1294429" y="3106210"/>
             <a:ext cx="6990327" cy="2985609"/>
           </a:xfrm>
           <a:prstGeom prst="rect">
@@ -6092,7 +6081,7 @@
         </p:blipFill>
         <p:spPr>
           <a:xfrm>
-            <a:off x="2286000" y="3087949"/>
+            <a:off x="1276982" y="2512268"/>
             <a:ext cx="3092370" cy="761886"/>
           </a:xfrm>
           <a:prstGeom prst="rect">
@@ -6636,7 +6625,7 @@
       </p:pic>
       <p:pic>
         <p:nvPicPr>
-          <p:cNvPr id="15" name="Object 14"/>
+          <p:cNvPr id="14" name="Object 13"/>
           <p:cNvPicPr>
             <a:picLocks noChangeAspect="1"/>
           </p:cNvPicPr>
@@ -6650,6 +6639,30 @@
         </p:blipFill>
         <p:spPr>
           <a:xfrm>
+            <a:off x="7010312" y="9186144"/>
+            <a:ext cx="848801" cy="507925"/>
+          </a:xfrm>
+          <a:prstGeom prst="rect">
+            <a:avLst/>
+          </a:prstGeom>
+        </p:spPr>
+      </p:pic>
+      <p:pic>
+        <p:nvPicPr>
+          <p:cNvPr id="15" name="Object 14"/>
+          <p:cNvPicPr>
+            <a:picLocks noChangeAspect="1"/>
+          </p:cNvPicPr>
+          <p:nvPr/>
+        </p:nvPicPr>
+        <p:blipFill>
+          <a:blip r:embed="rId11" cstate="print"/>
+          <a:stretch>
+            <a:fillRect/>
+          </a:stretch>
+        </p:blipFill>
+        <p:spPr>
+          <a:xfrm>
             <a:off x="1296029" y="5423077"/>
             <a:ext cx="5905896" cy="507925"/>
           </a:xfrm>
@@ -6667,7 +6680,7 @@
           <p:nvPr/>
         </p:nvPicPr>
         <p:blipFill>
-          <a:blip r:embed="rId11" cstate="print"/>
+          <a:blip r:embed="rId12" cstate="print"/>
           <a:stretch>
             <a:fillRect/>
           </a:stretch>
@@ -6691,7 +6704,7 @@
           <p:nvPr/>
         </p:nvPicPr>
         <p:blipFill>
-          <a:blip r:embed="rId12" cstate="print"/>
+          <a:blip r:embed="rId13" cstate="print"/>
           <a:stretch>
             <a:fillRect/>
           </a:stretch>
@@ -6715,7 +6728,7 @@
           <p:nvPr/>
         </p:nvPicPr>
         <p:blipFill>
-          <a:blip r:embed="rId13" cstate="print"/>
+          <a:blip r:embed="rId14" cstate="print"/>
           <a:stretch>
             <a:fillRect/>
           </a:stretch>

--- a/Resume And Portfolio/1파이썬-포트폴리오.pptx
+++ b/Resume And Portfolio/1파이썬-포트폴리오.pptx
@@ -28,7 +28,7 @@
     <p:sldId id="276" r:id="rId22"/>
     <p:sldId id="277" r:id="rId23"/>
   </p:sldIdLst>
-  <p:sldSz cx="18288000" cy="10287000" type="screen4x3"/>
+  <p:sldSz cx="18288000" cy="10287000"/>
   <p:notesSz cx="10287000" cy="18288000"/>
   <p:defaultTextStyle>
     <a:defPPr>
@@ -127,7 +127,18 @@
   </p:defaultTextStyle>
   <p:extLst>
     <p:ext uri="{EFAFB233-063F-42B5-8137-9DF3F51BA10A}">
-      <p15:sldGuideLst xmlns:p15="http://schemas.microsoft.com/office/powerpoint/2012/main"/>
+      <p15:sldGuideLst xmlns:p15="http://schemas.microsoft.com/office/powerpoint/2012/main">
+        <p15:guide id="1" orient="horz" pos="2160">
+          <p15:clr>
+            <a:srgbClr val="A4A3A4"/>
+          </p15:clr>
+        </p15:guide>
+        <p15:guide id="2" pos="2880">
+          <p15:clr>
+            <a:srgbClr val="A4A3A4"/>
+          </p15:clr>
+        </p15:guide>
+      </p15:sldGuideLst>
     </p:ext>
   </p:extLst>
 </p:presentation>
@@ -479,7 +490,7 @@
           <a:p>
             <a:fld id="{A76116CE-C4A3-4A05-B2D7-7C2E9A889C0F}" type="datetimeFigureOut">
               <a:rPr lang="en-US" smtClean="0"/>
-              <a:t>1/30/2017</a:t>
+              <a:t>12/24/2021</a:t>
             </a:fld>
             <a:endParaRPr lang="en-US"/>
           </a:p>
@@ -654,7 +665,7 @@
           <a:p>
             <a:fld id="{A76116CE-C4A3-4A05-B2D7-7C2E9A889C0F}" type="datetimeFigureOut">
               <a:rPr lang="en-US" smtClean="0"/>
-              <a:t>1/30/2017</a:t>
+              <a:t>12/24/2021</a:t>
             </a:fld>
             <a:endParaRPr lang="en-US"/>
           </a:p>
@@ -1345,7 +1356,7 @@
           <a:p>
             <a:fld id="{A76116CE-C4A3-4A05-B2D7-7C2E9A889C0F}" type="datetimeFigureOut">
               <a:rPr lang="en-US" smtClean="0"/>
-              <a:t>1/30/2017</a:t>
+              <a:t>12/24/2021</a:t>
             </a:fld>
             <a:endParaRPr lang="en-US"/>
           </a:p>
@@ -1762,7 +1773,7 @@
           <a:p>
             <a:fld id="{A76116CE-C4A3-4A05-B2D7-7C2E9A889C0F}" type="datetimeFigureOut">
               <a:rPr lang="en-US" smtClean="0"/>
-              <a:t>1/30/2017</a:t>
+              <a:t>12/24/2021</a:t>
             </a:fld>
             <a:endParaRPr lang="en-US"/>
           </a:p>
@@ -1875,7 +1886,7 @@
           <a:p>
             <a:fld id="{A76116CE-C4A3-4A05-B2D7-7C2E9A889C0F}" type="datetimeFigureOut">
               <a:rPr lang="en-US" smtClean="0"/>
-              <a:t>1/30/2017</a:t>
+              <a:t>12/24/2021</a:t>
             </a:fld>
             <a:endParaRPr lang="en-US"/>
           </a:p>
@@ -1965,7 +1976,7 @@
           <a:p>
             <a:fld id="{A76116CE-C4A3-4A05-B2D7-7C2E9A889C0F}" type="datetimeFigureOut">
               <a:rPr lang="en-US" smtClean="0"/>
-              <a:t>1/30/2017</a:t>
+              <a:t>12/24/2021</a:t>
             </a:fld>
             <a:endParaRPr lang="en-US"/>
           </a:p>
@@ -2237,7 +2248,7 @@
           <a:p>
             <a:fld id="{A76116CE-C4A3-4A05-B2D7-7C2E9A889C0F}" type="datetimeFigureOut">
               <a:rPr lang="en-US" smtClean="0"/>
-              <a:t>1/30/2017</a:t>
+              <a:t>12/24/2021</a:t>
             </a:fld>
             <a:endParaRPr lang="en-US"/>
           </a:p>
@@ -2485,7 +2496,7 @@
           <a:p>
             <a:fld id="{A76116CE-C4A3-4A05-B2D7-7C2E9A889C0F}" type="datetimeFigureOut">
               <a:rPr lang="en-US" smtClean="0"/>
-              <a:t>1/30/2017</a:t>
+              <a:t>12/24/2021</a:t>
             </a:fld>
             <a:endParaRPr lang="en-US"/>
           </a:p>
@@ -2693,7 +2704,7 @@
           <a:p>
             <a:fld id="{F8166F1F-CE9B-4651-A6AA-CD717754106B}" type="datetimeFigureOut">
               <a:rPr lang="en-US" smtClean="0"/>
-              <a:t>6/13/2013</a:t>
+              <a:t>12/24/2021</a:t>
             </a:fld>
             <a:endParaRPr lang="en-US"/>
           </a:p>
@@ -2771,7 +2782,7 @@
           <a:p>
             <a:fld id="{F7021451-1387-4CA6-816F-3879F97B5CBC}" type="slidenum">
               <a:rPr lang="en-US" smtClean="0"/>
-              <a:t>�#�</a:t>
+              <a:t>‹#›</a:t>
             </a:fld>
             <a:endParaRPr lang="en-US"/>
           </a:p>
@@ -2782,16 +2793,16 @@
   <p:clrMap bg1="lt1" tx1="dk1" bg2="lt2" tx2="dk2" accent1="accent1" accent2="accent2" accent3="accent3" accent4="accent4" accent5="accent5" accent6="accent6" hlink="hlink" folHlink="folHlink"/>
   <p:sldLayoutIdLst>
     <p:sldLayoutId id="2147483649" r:id="rId1"/>
-    <p:sldLayoutId id="2147483650" r:id="rId3"/>
-    <p:sldLayoutId id="2147483651" r:id="rId4"/>
-    <p:sldLayoutId id="2147483652" r:id="rId5"/>
-    <p:sldLayoutId id="2147483653" r:id="rId6"/>
-    <p:sldLayoutId id="2147483654" r:id="rId7"/>
-    <p:sldLayoutId id="2147483655" r:id="rId8"/>
-    <p:sldLayoutId id="2147483656" r:id="rId9"/>
-    <p:sldLayoutId id="2147483657" r:id="rId10"/>
-    <p:sldLayoutId id="2147483658" r:id="rId11"/>
-    <p:sldLayoutId id="2147483659" r:id="rId12"/>
+    <p:sldLayoutId id="2147483650" r:id="rId2"/>
+    <p:sldLayoutId id="2147483651" r:id="rId3"/>
+    <p:sldLayoutId id="2147483652" r:id="rId4"/>
+    <p:sldLayoutId id="2147483653" r:id="rId5"/>
+    <p:sldLayoutId id="2147483654" r:id="rId6"/>
+    <p:sldLayoutId id="2147483655" r:id="rId7"/>
+    <p:sldLayoutId id="2147483656" r:id="rId8"/>
+    <p:sldLayoutId id="2147483657" r:id="rId9"/>
+    <p:sldLayoutId id="2147483658" r:id="rId10"/>
+    <p:sldLayoutId id="2147483659" r:id="rId11"/>
   </p:sldLayoutIdLst>
   <p:txStyles>
     <p:titleStyle>
@@ -3289,6 +3300,13 @@
   <p:clrMapOvr>
     <a:masterClrMapping/>
   </p:clrMapOvr>
+  <p:timing>
+    <p:tnLst>
+      <p:par>
+        <p:cTn id="1" dur="indefinite" restart="never" nodeType="tmRoot"/>
+      </p:par>
+    </p:tnLst>
+  </p:timing>
 </p:sld>
 </file>
 
@@ -4151,6 +4169,32 @@
           </a:prstGeom>
         </p:spPr>
       </p:pic>
+      <p:pic>
+        <p:nvPicPr>
+          <p:cNvPr id="8" name="Object 7">
+            <a:hlinkClick r:id="rId6"/>
+          </p:cNvPr>
+          <p:cNvPicPr>
+            <a:picLocks noChangeAspect="1"/>
+          </p:cNvPicPr>
+          <p:nvPr/>
+        </p:nvPicPr>
+        <p:blipFill>
+          <a:blip r:embed="rId7" cstate="print"/>
+          <a:stretch>
+            <a:fillRect/>
+          </a:stretch>
+        </p:blipFill>
+        <p:spPr>
+          <a:xfrm>
+            <a:off x="5912005" y="8939463"/>
+            <a:ext cx="6237681" cy="1253169"/>
+          </a:xfrm>
+          <a:prstGeom prst="rect">
+            <a:avLst/>
+          </a:prstGeom>
+        </p:spPr>
+      </p:pic>
     </p:spTree>
   </p:cSld>
   <p:clrMapOvr>
@@ -5791,6 +5835,13 @@
   <p:clrMapOvr>
     <a:masterClrMapping/>
   </p:clrMapOvr>
+  <p:timing>
+    <p:tnLst>
+      <p:par>
+        <p:cTn id="1" dur="indefinite" restart="never" nodeType="tmRoot"/>
+      </p:par>
+    </p:tnLst>
+  </p:timing>
 </p:sld>
 </file>
 
@@ -6368,11 +6419,44 @@
           </a:prstGeom>
         </p:spPr>
       </p:pic>
+      <p:pic>
+        <p:nvPicPr>
+          <p:cNvPr id="8" name="Object 7">
+            <a:hlinkClick r:id="rId6"/>
+          </p:cNvPr>
+          <p:cNvPicPr>
+            <a:picLocks noChangeAspect="1"/>
+          </p:cNvPicPr>
+          <p:nvPr/>
+        </p:nvPicPr>
+        <p:blipFill>
+          <a:blip r:embed="rId7" cstate="print"/>
+          <a:stretch>
+            <a:fillRect/>
+          </a:stretch>
+        </p:blipFill>
+        <p:spPr>
+          <a:xfrm>
+            <a:off x="5912005" y="8939463"/>
+            <a:ext cx="6237681" cy="1253169"/>
+          </a:xfrm>
+          <a:prstGeom prst="rect">
+            <a:avLst/>
+          </a:prstGeom>
+        </p:spPr>
+      </p:pic>
     </p:spTree>
   </p:cSld>
   <p:clrMapOvr>
     <a:masterClrMapping/>
   </p:clrMapOvr>
+  <p:timing>
+    <p:tnLst>
+      <p:par>
+        <p:cTn id="1" dur="indefinite" restart="never" nodeType="tmRoot"/>
+      </p:par>
+    </p:tnLst>
+  </p:timing>
 </p:sld>
 </file>
 
@@ -6748,6 +6832,13 @@
   <p:clrMapOvr>
     <a:masterClrMapping/>
   </p:clrMapOvr>
+  <p:timing>
+    <p:tnLst>
+      <p:par>
+        <p:cTn id="1" dur="indefinite" restart="never" nodeType="tmRoot"/>
+      </p:par>
+    </p:tnLst>
+  </p:timing>
 </p:sld>
 </file>
 
@@ -7871,6 +7962,32 @@
           <a:xfrm>
             <a:off x="1876339" y="4165742"/>
             <a:ext cx="5750147" cy="1696737"/>
+          </a:xfrm>
+          <a:prstGeom prst="rect">
+            <a:avLst/>
+          </a:prstGeom>
+        </p:spPr>
+      </p:pic>
+      <p:pic>
+        <p:nvPicPr>
+          <p:cNvPr id="8" name="Object 7">
+            <a:hlinkClick r:id="rId6"/>
+          </p:cNvPr>
+          <p:cNvPicPr>
+            <a:picLocks noChangeAspect="1"/>
+          </p:cNvPicPr>
+          <p:nvPr/>
+        </p:nvPicPr>
+        <p:blipFill>
+          <a:blip r:embed="rId7" cstate="print"/>
+          <a:stretch>
+            <a:fillRect/>
+          </a:stretch>
+        </p:blipFill>
+        <p:spPr>
+          <a:xfrm>
+            <a:off x="5912005" y="8939463"/>
+            <a:ext cx="6237681" cy="1253169"/>
           </a:xfrm>
           <a:prstGeom prst="rect">
             <a:avLst/>

--- a/Resume And Portfolio/1파이썬-포트폴리오.pptx
+++ b/Resume And Portfolio/1파이썬-포트폴리오.pptx
@@ -27,6 +27,8 @@
     <p:sldId id="275" r:id="rId21"/>
     <p:sldId id="276" r:id="rId22"/>
     <p:sldId id="277" r:id="rId23"/>
+    <p:sldId id="278" r:id="rId24"/>
+    <p:sldId id="279" r:id="rId25"/>
   </p:sldIdLst>
   <p:sldSz cx="18288000" cy="10287000"/>
   <p:notesSz cx="10287000" cy="18288000"/>
@@ -3300,13 +3302,6 @@
   <p:clrMapOvr>
     <a:masterClrMapping/>
   </p:clrMapOvr>
-  <p:timing>
-    <p:tnLst>
-      <p:par>
-        <p:cTn id="1" dur="indefinite" restart="never" nodeType="tmRoot"/>
-      </p:par>
-    </p:tnLst>
-  </p:timing>
 </p:sld>
 </file>
 
@@ -3352,7 +3347,7 @@
         <p:spPr>
           <a:xfrm>
             <a:off x="1238966" y="905958"/>
-            <a:ext cx="7559789" cy="1260367"/>
+            <a:ext cx="8048288" cy="1260366"/>
           </a:xfrm>
           <a:prstGeom prst="rect">
             <a:avLst/>
@@ -3376,7 +3371,7 @@
         <p:spPr>
           <a:xfrm>
             <a:off x="1294429" y="3677638"/>
-            <a:ext cx="7843167" cy="938659"/>
+            <a:ext cx="6741622" cy="938658"/>
           </a:xfrm>
           <a:prstGeom prst="rect">
             <a:avLst/>
@@ -4058,6 +4053,78 @@
           <a:chExt cx="0" cy="0"/>
         </a:xfrm>
       </p:grpSpPr>
+      <p:pic>
+        <p:nvPicPr>
+          <p:cNvPr id="2" name="Object 1"/>
+          <p:cNvPicPr>
+            <a:picLocks noChangeAspect="1"/>
+          </p:cNvPicPr>
+          <p:nvPr/>
+        </p:nvPicPr>
+        <p:blipFill>
+          <a:blip r:embed="rId2" cstate="print"/>
+          <a:stretch>
+            <a:fillRect/>
+          </a:stretch>
+        </p:blipFill>
+        <p:spPr>
+          <a:xfrm>
+            <a:off x="1238966" y="905958"/>
+            <a:ext cx="6870990" cy="1260366"/>
+          </a:xfrm>
+          <a:prstGeom prst="rect">
+            <a:avLst/>
+          </a:prstGeom>
+        </p:spPr>
+      </p:pic>
+      <p:pic>
+        <p:nvPicPr>
+          <p:cNvPr id="3" name="Object 2"/>
+          <p:cNvPicPr>
+            <a:picLocks noChangeAspect="1"/>
+          </p:cNvPicPr>
+          <p:nvPr/>
+        </p:nvPicPr>
+        <p:blipFill>
+          <a:blip r:embed="rId3" cstate="print"/>
+          <a:stretch>
+            <a:fillRect/>
+          </a:stretch>
+        </p:blipFill>
+        <p:spPr>
+          <a:xfrm>
+            <a:off x="1294429" y="3677638"/>
+            <a:ext cx="7168412" cy="529269"/>
+          </a:xfrm>
+          <a:prstGeom prst="rect">
+            <a:avLst/>
+          </a:prstGeom>
+        </p:spPr>
+      </p:pic>
+      <p:pic>
+        <p:nvPicPr>
+          <p:cNvPr id="4" name="Object 3"/>
+          <p:cNvPicPr>
+            <a:picLocks noChangeAspect="1"/>
+          </p:cNvPicPr>
+          <p:nvPr/>
+        </p:nvPicPr>
+        <p:blipFill>
+          <a:blip r:embed="rId4" cstate="print"/>
+          <a:stretch>
+            <a:fillRect/>
+          </a:stretch>
+        </p:blipFill>
+        <p:spPr>
+          <a:xfrm>
+            <a:off x="1276979" y="3083697"/>
+            <a:ext cx="1132797" cy="761886"/>
+          </a:xfrm>
+          <a:prstGeom prst="rect">
+            <a:avLst/>
+          </a:prstGeom>
+        </p:spPr>
+      </p:pic>
       <p:grpSp>
         <p:nvGrpSpPr>
           <p:cNvPr id="1001" name="그룹 1001"/>
@@ -4066,30 +4133,30 @@
         </p:nvGrpSpPr>
         <p:grpSpPr>
           <a:xfrm>
-            <a:off x="9706336" y="4667472"/>
-            <a:ext cx="1295324" cy="493714"/>
-            <a:chOff x="9706336" y="4667472"/>
-            <a:chExt cx="1295324" cy="493714"/>
+            <a:off x="-4799610" y="5072813"/>
+            <a:ext cx="10639341" cy="493714"/>
+            <a:chOff x="-4799610" y="5072813"/>
+            <a:chExt cx="10639341" cy="493714"/>
           </a:xfrm>
         </p:grpSpPr>
         <p:pic>
           <p:nvPicPr>
-            <p:cNvPr id="3" name="Object 2"/>
+            <p:cNvPr id="6" name="Object 5"/>
             <p:cNvPicPr>
               <a:picLocks noChangeAspect="1"/>
             </p:cNvPicPr>
             <p:nvPr/>
           </p:nvPicPr>
           <p:blipFill>
-            <a:blip r:embed="rId2" cstate="print"/>
+            <a:blip r:embed="rId5" cstate="print"/>
             <a:stretch>
               <a:fillRect/>
             </a:stretch>
           </p:blipFill>
           <p:spPr>
-            <a:xfrm rot="5400000">
-              <a:off x="9706336" y="4667472"/>
-              <a:ext cx="1295324" cy="493714"/>
+            <a:xfrm rot="-16200000">
+              <a:off x="-4799610" y="5072813"/>
+              <a:ext cx="10639341" cy="493714"/>
             </a:xfrm>
             <a:prstGeom prst="rect">
               <a:avLst/>
@@ -4099,81 +4166,31 @@
       </p:grpSp>
       <p:pic>
         <p:nvPicPr>
-          <p:cNvPr id="5" name="Object 4"/>
-          <p:cNvPicPr>
-            <a:picLocks noChangeAspect="1"/>
-          </p:cNvPicPr>
-          <p:nvPr/>
-        </p:nvPicPr>
-        <p:blipFill>
-          <a:blip r:embed="rId3" cstate="print"/>
-          <a:stretch>
-            <a:fillRect/>
-          </a:stretch>
-        </p:blipFill>
-        <p:spPr>
-          <a:xfrm>
-            <a:off x="12077130" y="3303511"/>
-            <a:ext cx="4505945" cy="4657955"/>
-          </a:xfrm>
-          <a:prstGeom prst="rect">
-            <a:avLst/>
-          </a:prstGeom>
-        </p:spPr>
-      </p:pic>
-      <p:pic>
-        <p:nvPicPr>
-          <p:cNvPr id="6" name="Object 5"/>
-          <p:cNvPicPr>
-            <a:picLocks noChangeAspect="1"/>
-          </p:cNvPicPr>
-          <p:nvPr/>
-        </p:nvPicPr>
-        <p:blipFill>
-          <a:blip r:embed="rId4" cstate="print"/>
-          <a:stretch>
-            <a:fillRect/>
-          </a:stretch>
-        </p:blipFill>
-        <p:spPr>
-          <a:xfrm>
-            <a:off x="3481495" y="5266324"/>
-            <a:ext cx="2670020" cy="529269"/>
-          </a:xfrm>
-          <a:prstGeom prst="rect">
-            <a:avLst/>
-          </a:prstGeom>
-        </p:spPr>
-      </p:pic>
-      <p:pic>
-        <p:nvPicPr>
-          <p:cNvPr id="7" name="Object 6"/>
-          <p:cNvPicPr>
-            <a:picLocks noChangeAspect="1"/>
-          </p:cNvPicPr>
-          <p:nvPr/>
-        </p:nvPicPr>
-        <p:blipFill>
-          <a:blip r:embed="rId5" cstate="print"/>
-          <a:stretch>
-            <a:fillRect/>
-          </a:stretch>
-        </p:blipFill>
-        <p:spPr>
-          <a:xfrm>
-            <a:off x="1876339" y="4165742"/>
-            <a:ext cx="5750147" cy="1696737"/>
-          </a:xfrm>
-          <a:prstGeom prst="rect">
-            <a:avLst/>
-          </a:prstGeom>
-        </p:spPr>
-      </p:pic>
-      <p:pic>
-        <p:nvPicPr>
-          <p:cNvPr id="8" name="Object 7">
-            <a:hlinkClick r:id="rId6"/>
-          </p:cNvPr>
+          <p:cNvPr id="8" name="Object 7"/>
+          <p:cNvPicPr>
+            <a:picLocks noChangeAspect="1"/>
+          </p:cNvPicPr>
+          <p:nvPr/>
+        </p:nvPicPr>
+        <p:blipFill>
+          <a:blip r:embed="rId6" cstate="print"/>
+          <a:stretch>
+            <a:fillRect/>
+          </a:stretch>
+        </p:blipFill>
+        <p:spPr>
+          <a:xfrm>
+            <a:off x="1296029" y="5965934"/>
+            <a:ext cx="5905896" cy="507925"/>
+          </a:xfrm>
+          <a:prstGeom prst="rect">
+            <a:avLst/>
+          </a:prstGeom>
+        </p:spPr>
+      </p:pic>
+      <p:pic>
+        <p:nvPicPr>
+          <p:cNvPr id="9" name="Object 8"/>
           <p:cNvPicPr>
             <a:picLocks noChangeAspect="1"/>
           </p:cNvPicPr>
@@ -4187,8 +4204,56 @@
         </p:blipFill>
         <p:spPr>
           <a:xfrm>
-            <a:off x="5912005" y="8939463"/>
-            <a:ext cx="6237681" cy="1253169"/>
+            <a:off x="1276982" y="5253020"/>
+            <a:ext cx="3206268" cy="761886"/>
+          </a:xfrm>
+          <a:prstGeom prst="rect">
+            <a:avLst/>
+          </a:prstGeom>
+        </p:spPr>
+      </p:pic>
+      <p:pic>
+        <p:nvPicPr>
+          <p:cNvPr id="10" name="Object 9"/>
+          <p:cNvPicPr>
+            <a:picLocks noChangeAspect="1"/>
+          </p:cNvPicPr>
+          <p:nvPr/>
+        </p:nvPicPr>
+        <p:blipFill>
+          <a:blip r:embed="rId8" cstate="print"/>
+          <a:stretch>
+            <a:fillRect/>
+          </a:stretch>
+        </p:blipFill>
+        <p:spPr>
+          <a:xfrm>
+            <a:off x="11412763" y="6470982"/>
+            <a:ext cx="2449208" cy="761886"/>
+          </a:xfrm>
+          <a:prstGeom prst="rect">
+            <a:avLst/>
+          </a:prstGeom>
+        </p:spPr>
+      </p:pic>
+      <p:pic>
+        <p:nvPicPr>
+          <p:cNvPr id="11" name="Object 10"/>
+          <p:cNvPicPr>
+            <a:picLocks noChangeAspect="1"/>
+          </p:cNvPicPr>
+          <p:nvPr/>
+        </p:nvPicPr>
+        <p:blipFill>
+          <a:blip r:embed="rId9" cstate="print"/>
+          <a:stretch>
+            <a:fillRect/>
+          </a:stretch>
+        </p:blipFill>
+        <p:spPr>
+          <a:xfrm>
+            <a:off x="11430581" y="7259105"/>
+            <a:ext cx="1258116" cy="1026636"/>
           </a:xfrm>
           <a:prstGeom prst="rect">
             <a:avLst/>
@@ -4244,56 +4309,8 @@
         </p:blipFill>
         <p:spPr>
           <a:xfrm>
-            <a:off x="1238966" y="905958"/>
-            <a:ext cx="4518252" cy="1260367"/>
-          </a:xfrm>
-          <a:prstGeom prst="rect">
-            <a:avLst/>
-          </a:prstGeom>
-        </p:spPr>
-      </p:pic>
-      <p:pic>
-        <p:nvPicPr>
-          <p:cNvPr id="3" name="Object 2"/>
-          <p:cNvPicPr>
-            <a:picLocks noChangeAspect="1"/>
-          </p:cNvPicPr>
-          <p:nvPr/>
-        </p:nvPicPr>
-        <p:blipFill>
-          <a:blip r:embed="rId3" cstate="print"/>
-          <a:stretch>
-            <a:fillRect/>
-          </a:stretch>
-        </p:blipFill>
-        <p:spPr>
-          <a:xfrm>
-            <a:off x="1294429" y="3106210"/>
-            <a:ext cx="6499840" cy="529269"/>
-          </a:xfrm>
-          <a:prstGeom prst="rect">
-            <a:avLst/>
-          </a:prstGeom>
-        </p:spPr>
-      </p:pic>
-      <p:pic>
-        <p:nvPicPr>
-          <p:cNvPr id="4" name="Object 3"/>
-          <p:cNvPicPr>
-            <a:picLocks noChangeAspect="1"/>
-          </p:cNvPicPr>
-          <p:nvPr/>
-        </p:nvPicPr>
-        <p:blipFill>
-          <a:blip r:embed="rId4" cstate="print"/>
-          <a:stretch>
-            <a:fillRect/>
-          </a:stretch>
-        </p:blipFill>
-        <p:spPr>
-          <a:xfrm>
-            <a:off x="1276979" y="2512268"/>
-            <a:ext cx="1132797" cy="761886"/>
+            <a:off x="15819746" y="-379613"/>
+            <a:ext cx="2574197" cy="2595131"/>
           </a:xfrm>
           <a:prstGeom prst="rect">
             <a:avLst/>
@@ -4308,30 +4325,30 @@
         </p:nvGrpSpPr>
         <p:grpSpPr>
           <a:xfrm>
-            <a:off x="-4799610" y="5072813"/>
-            <a:ext cx="10639341" cy="493714"/>
-            <a:chOff x="-4799610" y="5072813"/>
-            <a:chExt cx="10639341" cy="493714"/>
+            <a:off x="403953" y="-175454"/>
+            <a:ext cx="1066307" cy="493714"/>
+            <a:chOff x="403953" y="-175454"/>
+            <a:chExt cx="1066307" cy="493714"/>
           </a:xfrm>
         </p:grpSpPr>
         <p:pic>
           <p:nvPicPr>
-            <p:cNvPr id="6" name="Object 5"/>
+            <p:cNvPr id="4" name="Object 3"/>
             <p:cNvPicPr>
               <a:picLocks noChangeAspect="1"/>
             </p:cNvPicPr>
             <p:nvPr/>
           </p:nvPicPr>
           <p:blipFill>
-            <a:blip r:embed="rId5" cstate="print"/>
+            <a:blip r:embed="rId3" cstate="print"/>
             <a:stretch>
               <a:fillRect/>
             </a:stretch>
           </p:blipFill>
           <p:spPr>
-            <a:xfrm rot="-16200000">
-              <a:off x="-4799610" y="5072813"/>
-              <a:ext cx="10639341" cy="493714"/>
+            <a:xfrm rot="10800000">
+              <a:off x="403953" y="-175454"/>
+              <a:ext cx="1066307" cy="493714"/>
             </a:xfrm>
             <a:prstGeom prst="rect">
               <a:avLst/>
@@ -4339,9 +4356,72 @@
           </p:spPr>
         </p:pic>
       </p:grpSp>
-      <p:pic>
-        <p:nvPicPr>
-          <p:cNvPr id="8" name="Object 7"/>
+      <p:grpSp>
+        <p:nvGrpSpPr>
+          <p:cNvPr id="1002" name="그룹 1002"/>
+          <p:cNvGrpSpPr/>
+          <p:nvPr/>
+        </p:nvGrpSpPr>
+        <p:grpSpPr>
+          <a:xfrm>
+            <a:off x="-1346366" y="1575474"/>
+            <a:ext cx="20293734" cy="493714"/>
+            <a:chOff x="-1346366" y="1575474"/>
+            <a:chExt cx="20293734" cy="493714"/>
+          </a:xfrm>
+        </p:grpSpPr>
+        <p:pic>
+          <p:nvPicPr>
+            <p:cNvPr id="7" name="Object 6"/>
+            <p:cNvPicPr>
+              <a:picLocks noChangeAspect="1"/>
+            </p:cNvPicPr>
+            <p:nvPr/>
+          </p:nvPicPr>
+          <p:blipFill>
+            <a:blip r:embed="rId4" cstate="print"/>
+            <a:stretch>
+              <a:fillRect/>
+            </a:stretch>
+          </p:blipFill>
+          <p:spPr>
+            <a:xfrm rot="10800000">
+              <a:off x="-1346366" y="1575474"/>
+              <a:ext cx="20293734" cy="493714"/>
+            </a:xfrm>
+            <a:prstGeom prst="rect">
+              <a:avLst/>
+            </a:prstGeom>
+          </p:spPr>
+        </p:pic>
+      </p:grpSp>
+      <p:pic>
+        <p:nvPicPr>
+          <p:cNvPr id="9" name="Object 8"/>
+          <p:cNvPicPr>
+            <a:picLocks noChangeAspect="1"/>
+          </p:cNvPicPr>
+          <p:nvPr/>
+        </p:nvPicPr>
+        <p:blipFill>
+          <a:blip r:embed="rId5" cstate="print"/>
+          <a:stretch>
+            <a:fillRect/>
+          </a:stretch>
+        </p:blipFill>
+        <p:spPr>
+          <a:xfrm>
+            <a:off x="4600118" y="9281796"/>
+            <a:ext cx="1288436" cy="507926"/>
+          </a:xfrm>
+          <a:prstGeom prst="rect">
+            <a:avLst/>
+          </a:prstGeom>
+        </p:spPr>
+      </p:pic>
+      <p:pic>
+        <p:nvPicPr>
+          <p:cNvPr id="10" name="Object 9"/>
           <p:cNvPicPr>
             <a:picLocks noChangeAspect="1"/>
           </p:cNvPicPr>
@@ -4355,65 +4435,95 @@
         </p:blipFill>
         <p:spPr>
           <a:xfrm>
-            <a:off x="1296029" y="5251648"/>
-            <a:ext cx="5375876" cy="984993"/>
-          </a:xfrm>
-          <a:prstGeom prst="rect">
-            <a:avLst/>
-          </a:prstGeom>
-        </p:spPr>
-      </p:pic>
-      <p:pic>
-        <p:nvPicPr>
-          <p:cNvPr id="9" name="Object 8"/>
-          <p:cNvPicPr>
-            <a:picLocks noChangeAspect="1"/>
-          </p:cNvPicPr>
-          <p:nvPr/>
-        </p:nvPicPr>
-        <p:blipFill>
-          <a:blip r:embed="rId7" cstate="print"/>
-          <a:stretch>
-            <a:fillRect/>
-          </a:stretch>
-        </p:blipFill>
-        <p:spPr>
-          <a:xfrm>
-            <a:off x="1276982" y="4538735"/>
-            <a:ext cx="3206268" cy="761886"/>
-          </a:xfrm>
-          <a:prstGeom prst="rect">
-            <a:avLst/>
-          </a:prstGeom>
-        </p:spPr>
-      </p:pic>
-      <p:pic>
-        <p:nvPicPr>
-          <p:cNvPr id="10" name="Object 9"/>
-          <p:cNvPicPr>
-            <a:picLocks noChangeAspect="1"/>
-          </p:cNvPicPr>
-          <p:nvPr/>
-        </p:nvPicPr>
-        <p:blipFill>
-          <a:blip r:embed="rId8" cstate="print"/>
-          <a:stretch>
-            <a:fillRect/>
-          </a:stretch>
-        </p:blipFill>
-        <p:spPr>
-          <a:xfrm>
-            <a:off x="11412763" y="6470982"/>
-            <a:ext cx="2449208" cy="761886"/>
-          </a:xfrm>
-          <a:prstGeom prst="rect">
-            <a:avLst/>
-          </a:prstGeom>
-        </p:spPr>
-      </p:pic>
-      <p:pic>
-        <p:nvPicPr>
-          <p:cNvPr id="11" name="Object 10"/>
+            <a:off x="809003" y="191005"/>
+            <a:ext cx="3533253" cy="1696737"/>
+          </a:xfrm>
+          <a:prstGeom prst="rect">
+            <a:avLst/>
+          </a:prstGeom>
+        </p:spPr>
+      </p:pic>
+      <p:grpSp>
+        <p:nvGrpSpPr>
+          <p:cNvPr id="1003" name="그룹 1003"/>
+          <p:cNvGrpSpPr/>
+          <p:nvPr/>
+        </p:nvGrpSpPr>
+        <p:grpSpPr>
+          <a:xfrm>
+            <a:off x="10563272" y="2428571"/>
+            <a:ext cx="4811742" cy="6669186"/>
+            <a:chOff x="10563272" y="2428571"/>
+            <a:chExt cx="4811742" cy="6669186"/>
+          </a:xfrm>
+        </p:grpSpPr>
+        <p:pic>
+          <p:nvPicPr>
+            <p:cNvPr id="12" name="Object 11"/>
+            <p:cNvPicPr>
+              <a:picLocks noChangeAspect="1"/>
+            </p:cNvPicPr>
+            <p:nvPr/>
+          </p:nvPicPr>
+          <p:blipFill>
+            <a:blip r:embed="rId7" cstate="print"/>
+            <a:stretch>
+              <a:fillRect/>
+            </a:stretch>
+          </p:blipFill>
+          <p:spPr>
+            <a:xfrm>
+              <a:off x="10563272" y="2428571"/>
+              <a:ext cx="4811742" cy="6669186"/>
+            </a:xfrm>
+            <a:prstGeom prst="rect">
+              <a:avLst/>
+            </a:prstGeom>
+          </p:spPr>
+        </p:pic>
+      </p:grpSp>
+      <p:grpSp>
+        <p:nvGrpSpPr>
+          <p:cNvPr id="1004" name="그룹 1004"/>
+          <p:cNvGrpSpPr/>
+          <p:nvPr/>
+        </p:nvGrpSpPr>
+        <p:grpSpPr>
+          <a:xfrm>
+            <a:off x="2849685" y="2428571"/>
+            <a:ext cx="4861254" cy="6713545"/>
+            <a:chOff x="2849685" y="2428571"/>
+            <a:chExt cx="4861254" cy="6713545"/>
+          </a:xfrm>
+        </p:grpSpPr>
+        <p:pic>
+          <p:nvPicPr>
+            <p:cNvPr id="15" name="Object 14"/>
+            <p:cNvPicPr>
+              <a:picLocks noChangeAspect="1"/>
+            </p:cNvPicPr>
+            <p:nvPr/>
+          </p:nvPicPr>
+          <p:blipFill>
+            <a:blip r:embed="rId8" cstate="print"/>
+            <a:stretch>
+              <a:fillRect/>
+            </a:stretch>
+          </p:blipFill>
+          <p:spPr>
+            <a:xfrm>
+              <a:off x="2849685" y="2428571"/>
+              <a:ext cx="4861254" cy="6713545"/>
+            </a:xfrm>
+            <a:prstGeom prst="rect">
+              <a:avLst/>
+            </a:prstGeom>
+          </p:spPr>
+        </p:pic>
+      </p:grpSp>
+      <p:pic>
+        <p:nvPicPr>
+          <p:cNvPr id="17" name="Object 16"/>
           <p:cNvPicPr>
             <a:picLocks noChangeAspect="1"/>
           </p:cNvPicPr>
@@ -4427,56 +4537,8 @@
         </p:blipFill>
         <p:spPr>
           <a:xfrm>
-            <a:off x="11430581" y="7259105"/>
-            <a:ext cx="1702810" cy="1523874"/>
-          </a:xfrm>
-          <a:prstGeom prst="rect">
-            <a:avLst/>
-          </a:prstGeom>
-        </p:spPr>
-      </p:pic>
-      <p:pic>
-        <p:nvPicPr>
-          <p:cNvPr id="12" name="Object 11"/>
-          <p:cNvPicPr>
-            <a:picLocks noChangeAspect="1"/>
-          </p:cNvPicPr>
-          <p:nvPr/>
-        </p:nvPicPr>
-        <p:blipFill>
-          <a:blip r:embed="rId10" cstate="print"/>
-          <a:stretch>
-            <a:fillRect/>
-          </a:stretch>
-        </p:blipFill>
-        <p:spPr>
-          <a:xfrm>
-            <a:off x="1276982" y="6388278"/>
-            <a:ext cx="3955968" cy="761886"/>
-          </a:xfrm>
-          <a:prstGeom prst="rect">
-            <a:avLst/>
-          </a:prstGeom>
-        </p:spPr>
-      </p:pic>
-      <p:pic>
-        <p:nvPicPr>
-          <p:cNvPr id="13" name="Object 12"/>
-          <p:cNvPicPr>
-            <a:picLocks noChangeAspect="1"/>
-          </p:cNvPicPr>
-          <p:nvPr/>
-        </p:nvPicPr>
-        <p:blipFill>
-          <a:blip r:embed="rId11" cstate="print"/>
-          <a:stretch>
-            <a:fillRect/>
-          </a:stretch>
-        </p:blipFill>
-        <p:spPr>
-          <a:xfrm>
-            <a:off x="1296029" y="7117858"/>
-            <a:ext cx="4924331" cy="507925"/>
+            <a:off x="12072763" y="9281796"/>
+            <a:ext cx="1767473" cy="507926"/>
           </a:xfrm>
           <a:prstGeom prst="rect">
             <a:avLst/>
@@ -4516,30 +4578,6 @@
           <a:chExt cx="0" cy="0"/>
         </a:xfrm>
       </p:grpSpPr>
-      <p:pic>
-        <p:nvPicPr>
-          <p:cNvPr id="2" name="Object 1"/>
-          <p:cNvPicPr>
-            <a:picLocks noChangeAspect="1"/>
-          </p:cNvPicPr>
-          <p:nvPr/>
-        </p:nvPicPr>
-        <p:blipFill>
-          <a:blip r:embed="rId2" cstate="print"/>
-          <a:stretch>
-            <a:fillRect/>
-          </a:stretch>
-        </p:blipFill>
-        <p:spPr>
-          <a:xfrm>
-            <a:off x="15819746" y="-379613"/>
-            <a:ext cx="2574197" cy="2595131"/>
-          </a:xfrm>
-          <a:prstGeom prst="rect">
-            <a:avLst/>
-          </a:prstGeom>
-        </p:spPr>
-      </p:pic>
       <p:grpSp>
         <p:nvGrpSpPr>
           <p:cNvPr id="1001" name="그룹 1001"/>
@@ -4548,30 +4586,30 @@
         </p:nvGrpSpPr>
         <p:grpSpPr>
           <a:xfrm>
-            <a:off x="403953" y="-175454"/>
-            <a:ext cx="1066307" cy="493714"/>
-            <a:chOff x="403953" y="-175454"/>
-            <a:chExt cx="1066307" cy="493714"/>
+            <a:off x="9706336" y="4667472"/>
+            <a:ext cx="1295324" cy="493714"/>
+            <a:chOff x="9706336" y="4667472"/>
+            <a:chExt cx="1295324" cy="493714"/>
           </a:xfrm>
         </p:grpSpPr>
         <p:pic>
           <p:nvPicPr>
-            <p:cNvPr id="4" name="Object 3"/>
+            <p:cNvPr id="3" name="Object 2"/>
             <p:cNvPicPr>
               <a:picLocks noChangeAspect="1"/>
             </p:cNvPicPr>
             <p:nvPr/>
           </p:nvPicPr>
           <p:blipFill>
-            <a:blip r:embed="rId3" cstate="print"/>
+            <a:blip r:embed="rId2" cstate="print"/>
             <a:stretch>
               <a:fillRect/>
             </a:stretch>
           </p:blipFill>
           <p:spPr>
-            <a:xfrm rot="10800000">
-              <a:off x="403953" y="-175454"/>
-              <a:ext cx="1066307" cy="493714"/>
+            <a:xfrm rot="5400000">
+              <a:off x="9706336" y="4667472"/>
+              <a:ext cx="1295324" cy="493714"/>
             </a:xfrm>
             <a:prstGeom prst="rect">
               <a:avLst/>
@@ -4579,48 +4617,57 @@
           </p:spPr>
         </p:pic>
       </p:grpSp>
-      <p:grpSp>
-        <p:nvGrpSpPr>
-          <p:cNvPr id="1002" name="그룹 1002"/>
-          <p:cNvGrpSpPr/>
-          <p:nvPr/>
-        </p:nvGrpSpPr>
-        <p:grpSpPr>
-          <a:xfrm>
-            <a:off x="-1346366" y="1575474"/>
-            <a:ext cx="20293734" cy="493714"/>
-            <a:chOff x="-1346366" y="1575474"/>
-            <a:chExt cx="20293734" cy="493714"/>
-          </a:xfrm>
-        </p:grpSpPr>
-        <p:pic>
-          <p:nvPicPr>
-            <p:cNvPr id="7" name="Object 6"/>
-            <p:cNvPicPr>
-              <a:picLocks noChangeAspect="1"/>
-            </p:cNvPicPr>
-            <p:nvPr/>
-          </p:nvPicPr>
-          <p:blipFill>
-            <a:blip r:embed="rId4" cstate="print"/>
-            <a:stretch>
-              <a:fillRect/>
-            </a:stretch>
-          </p:blipFill>
-          <p:spPr>
-            <a:xfrm rot="10800000">
-              <a:off x="-1346366" y="1575474"/>
-              <a:ext cx="20293734" cy="493714"/>
-            </a:xfrm>
-            <a:prstGeom prst="rect">
-              <a:avLst/>
-            </a:prstGeom>
-          </p:spPr>
-        </p:pic>
-      </p:grpSp>
-      <p:pic>
-        <p:nvPicPr>
-          <p:cNvPr id="9" name="Object 8"/>
+      <p:pic>
+        <p:nvPicPr>
+          <p:cNvPr id="5" name="Object 4"/>
+          <p:cNvPicPr>
+            <a:picLocks noChangeAspect="1"/>
+          </p:cNvPicPr>
+          <p:nvPr/>
+        </p:nvPicPr>
+        <p:blipFill>
+          <a:blip r:embed="rId3" cstate="print"/>
+          <a:stretch>
+            <a:fillRect/>
+          </a:stretch>
+        </p:blipFill>
+        <p:spPr>
+          <a:xfrm>
+            <a:off x="12077130" y="3303511"/>
+            <a:ext cx="4505945" cy="4657955"/>
+          </a:xfrm>
+          <a:prstGeom prst="rect">
+            <a:avLst/>
+          </a:prstGeom>
+        </p:spPr>
+      </p:pic>
+      <p:pic>
+        <p:nvPicPr>
+          <p:cNvPr id="6" name="Object 5"/>
+          <p:cNvPicPr>
+            <a:picLocks noChangeAspect="1"/>
+          </p:cNvPicPr>
+          <p:nvPr/>
+        </p:nvPicPr>
+        <p:blipFill>
+          <a:blip r:embed="rId4" cstate="print"/>
+          <a:stretch>
+            <a:fillRect/>
+          </a:stretch>
+        </p:blipFill>
+        <p:spPr>
+          <a:xfrm>
+            <a:off x="3481495" y="5266324"/>
+            <a:ext cx="2670020" cy="529269"/>
+          </a:xfrm>
+          <a:prstGeom prst="rect">
+            <a:avLst/>
+          </a:prstGeom>
+        </p:spPr>
+      </p:pic>
+      <p:pic>
+        <p:nvPicPr>
+          <p:cNvPr id="7" name="Object 6"/>
           <p:cNvPicPr>
             <a:picLocks noChangeAspect="1"/>
           </p:cNvPicPr>
@@ -4634,56 +4681,19 @@
         </p:blipFill>
         <p:spPr>
           <a:xfrm>
-            <a:off x="809003" y="191005"/>
-            <a:ext cx="6081470" cy="1696737"/>
-          </a:xfrm>
-          <a:prstGeom prst="rect">
-            <a:avLst/>
-          </a:prstGeom>
-        </p:spPr>
-      </p:pic>
-      <p:grpSp>
-        <p:nvGrpSpPr>
-          <p:cNvPr id="1003" name="그룹 1003"/>
-          <p:cNvGrpSpPr/>
-          <p:nvPr/>
-        </p:nvGrpSpPr>
-        <p:grpSpPr>
-          <a:xfrm>
-            <a:off x="2866930" y="2069188"/>
-            <a:ext cx="12551855" cy="7267488"/>
-            <a:chOff x="2866930" y="2069188"/>
-            <a:chExt cx="12551855" cy="7267488"/>
-          </a:xfrm>
-        </p:grpSpPr>
-        <p:pic>
-          <p:nvPicPr>
-            <p:cNvPr id="11" name="Object 10"/>
-            <p:cNvPicPr>
-              <a:picLocks noChangeAspect="1"/>
-            </p:cNvPicPr>
-            <p:nvPr/>
-          </p:nvPicPr>
-          <p:blipFill>
-            <a:blip r:embed="rId6" cstate="print"/>
-            <a:stretch>
-              <a:fillRect/>
-            </a:stretch>
-          </p:blipFill>
-          <p:spPr>
-            <a:xfrm>
-              <a:off x="2866930" y="2069188"/>
-              <a:ext cx="12551855" cy="7267488"/>
-            </a:xfrm>
-            <a:prstGeom prst="rect">
-              <a:avLst/>
-            </a:prstGeom>
-          </p:spPr>
-        </p:pic>
-      </p:grpSp>
-      <p:pic>
-        <p:nvPicPr>
-          <p:cNvPr id="13" name="Object 12"/>
+            <a:off x="1876339" y="4165742"/>
+            <a:ext cx="5750147" cy="1696737"/>
+          </a:xfrm>
+          <a:prstGeom prst="rect">
+            <a:avLst/>
+          </a:prstGeom>
+        </p:spPr>
+      </p:pic>
+      <p:pic>
+        <p:nvPicPr>
+          <p:cNvPr id="8" name="Object 7">
+            <a:hlinkClick r:id="rId6"/>
+          </p:cNvPr>
           <p:cNvPicPr>
             <a:picLocks noChangeAspect="1"/>
           </p:cNvPicPr>
@@ -4697,8 +4707,8 @@
         </p:blipFill>
         <p:spPr>
           <a:xfrm>
-            <a:off x="7633105" y="9419857"/>
-            <a:ext cx="2608483" cy="529270"/>
+            <a:off x="5912005" y="8939463"/>
+            <a:ext cx="6237681" cy="1253169"/>
           </a:xfrm>
           <a:prstGeom prst="rect">
             <a:avLst/>
@@ -4754,8 +4764,56 @@
         </p:blipFill>
         <p:spPr>
           <a:xfrm>
-            <a:off x="15819746" y="-379613"/>
-            <a:ext cx="2574197" cy="2595131"/>
+            <a:off x="1238966" y="905958"/>
+            <a:ext cx="4518252" cy="1260367"/>
+          </a:xfrm>
+          <a:prstGeom prst="rect">
+            <a:avLst/>
+          </a:prstGeom>
+        </p:spPr>
+      </p:pic>
+      <p:pic>
+        <p:nvPicPr>
+          <p:cNvPr id="3" name="Object 2"/>
+          <p:cNvPicPr>
+            <a:picLocks noChangeAspect="1"/>
+          </p:cNvPicPr>
+          <p:nvPr/>
+        </p:nvPicPr>
+        <p:blipFill>
+          <a:blip r:embed="rId3" cstate="print"/>
+          <a:stretch>
+            <a:fillRect/>
+          </a:stretch>
+        </p:blipFill>
+        <p:spPr>
+          <a:xfrm>
+            <a:off x="1294429" y="3106210"/>
+            <a:ext cx="6499840" cy="529269"/>
+          </a:xfrm>
+          <a:prstGeom prst="rect">
+            <a:avLst/>
+          </a:prstGeom>
+        </p:spPr>
+      </p:pic>
+      <p:pic>
+        <p:nvPicPr>
+          <p:cNvPr id="4" name="Object 3"/>
+          <p:cNvPicPr>
+            <a:picLocks noChangeAspect="1"/>
+          </p:cNvPicPr>
+          <p:nvPr/>
+        </p:nvPicPr>
+        <p:blipFill>
+          <a:blip r:embed="rId4" cstate="print"/>
+          <a:stretch>
+            <a:fillRect/>
+          </a:stretch>
+        </p:blipFill>
+        <p:spPr>
+          <a:xfrm>
+            <a:off x="1276979" y="2512268"/>
+            <a:ext cx="1132797" cy="761886"/>
           </a:xfrm>
           <a:prstGeom prst="rect">
             <a:avLst/>
@@ -4770,30 +4828,30 @@
         </p:nvGrpSpPr>
         <p:grpSpPr>
           <a:xfrm>
-            <a:off x="403953" y="-175454"/>
-            <a:ext cx="1066307" cy="493714"/>
-            <a:chOff x="403953" y="-175454"/>
-            <a:chExt cx="1066307" cy="493714"/>
+            <a:off x="-4799610" y="5072813"/>
+            <a:ext cx="10639341" cy="493714"/>
+            <a:chOff x="-4799610" y="5072813"/>
+            <a:chExt cx="10639341" cy="493714"/>
           </a:xfrm>
         </p:grpSpPr>
         <p:pic>
           <p:nvPicPr>
-            <p:cNvPr id="4" name="Object 3"/>
+            <p:cNvPr id="6" name="Object 5"/>
             <p:cNvPicPr>
               <a:picLocks noChangeAspect="1"/>
             </p:cNvPicPr>
             <p:nvPr/>
           </p:nvPicPr>
           <p:blipFill>
-            <a:blip r:embed="rId3" cstate="print"/>
+            <a:blip r:embed="rId5" cstate="print"/>
             <a:stretch>
               <a:fillRect/>
             </a:stretch>
           </p:blipFill>
           <p:spPr>
-            <a:xfrm rot="10800000">
-              <a:off x="403953" y="-175454"/>
-              <a:ext cx="1066307" cy="493714"/>
+            <a:xfrm rot="-16200000">
+              <a:off x="-4799610" y="5072813"/>
+              <a:ext cx="10639341" cy="493714"/>
             </a:xfrm>
             <a:prstGeom prst="rect">
               <a:avLst/>
@@ -4801,45 +4859,30 @@
           </p:spPr>
         </p:pic>
       </p:grpSp>
-      <p:grpSp>
-        <p:nvGrpSpPr>
-          <p:cNvPr id="1002" name="그룹 1002"/>
-          <p:cNvGrpSpPr/>
-          <p:nvPr/>
-        </p:nvGrpSpPr>
-        <p:grpSpPr>
-          <a:xfrm>
-            <a:off x="-1346366" y="1575474"/>
-            <a:ext cx="20293734" cy="493714"/>
-            <a:chOff x="-1346366" y="1575474"/>
-            <a:chExt cx="20293734" cy="493714"/>
-          </a:xfrm>
-        </p:grpSpPr>
-        <p:pic>
-          <p:nvPicPr>
-            <p:cNvPr id="7" name="Object 6"/>
-            <p:cNvPicPr>
-              <a:picLocks noChangeAspect="1"/>
-            </p:cNvPicPr>
-            <p:nvPr/>
-          </p:nvPicPr>
-          <p:blipFill>
-            <a:blip r:embed="rId4" cstate="print"/>
-            <a:stretch>
-              <a:fillRect/>
-            </a:stretch>
-          </p:blipFill>
-          <p:spPr>
-            <a:xfrm rot="10800000">
-              <a:off x="-1346366" y="1575474"/>
-              <a:ext cx="20293734" cy="493714"/>
-            </a:xfrm>
-            <a:prstGeom prst="rect">
-              <a:avLst/>
-            </a:prstGeom>
-          </p:spPr>
-        </p:pic>
-      </p:grpSp>
+      <p:pic>
+        <p:nvPicPr>
+          <p:cNvPr id="8" name="Object 7"/>
+          <p:cNvPicPr>
+            <a:picLocks noChangeAspect="1"/>
+          </p:cNvPicPr>
+          <p:nvPr/>
+        </p:nvPicPr>
+        <p:blipFill>
+          <a:blip r:embed="rId6" cstate="print"/>
+          <a:stretch>
+            <a:fillRect/>
+          </a:stretch>
+        </p:blipFill>
+        <p:spPr>
+          <a:xfrm>
+            <a:off x="1296029" y="5251648"/>
+            <a:ext cx="5375876" cy="984993"/>
+          </a:xfrm>
+          <a:prstGeom prst="rect">
+            <a:avLst/>
+          </a:prstGeom>
+        </p:spPr>
+      </p:pic>
       <p:pic>
         <p:nvPicPr>
           <p:cNvPr id="9" name="Object 8"/>
@@ -4849,60 +4892,93 @@
           <p:nvPr/>
         </p:nvPicPr>
         <p:blipFill>
-          <a:blip r:embed="rId5" cstate="print"/>
-          <a:stretch>
-            <a:fillRect/>
-          </a:stretch>
-        </p:blipFill>
-        <p:spPr>
-          <a:xfrm>
-            <a:off x="809003" y="191005"/>
-            <a:ext cx="6081470" cy="1696737"/>
-          </a:xfrm>
-          <a:prstGeom prst="rect">
-            <a:avLst/>
-          </a:prstGeom>
-        </p:spPr>
-      </p:pic>
-      <p:grpSp>
-        <p:nvGrpSpPr>
-          <p:cNvPr id="1003" name="그룹 1003"/>
-          <p:cNvGrpSpPr/>
-          <p:nvPr/>
-        </p:nvGrpSpPr>
-        <p:grpSpPr>
-          <a:xfrm>
-            <a:off x="3555045" y="2188422"/>
-            <a:ext cx="11175625" cy="7520954"/>
-            <a:chOff x="3555045" y="2188422"/>
-            <a:chExt cx="11175625" cy="7520954"/>
-          </a:xfrm>
-        </p:grpSpPr>
-        <p:pic>
-          <p:nvPicPr>
-            <p:cNvPr id="11" name="Object 10"/>
-            <p:cNvPicPr>
-              <a:picLocks noChangeAspect="1"/>
-            </p:cNvPicPr>
-            <p:nvPr/>
-          </p:nvPicPr>
-          <p:blipFill>
-            <a:blip r:embed="rId6" cstate="print"/>
-            <a:stretch>
-              <a:fillRect/>
-            </a:stretch>
-          </p:blipFill>
-          <p:spPr>
-            <a:xfrm>
-              <a:off x="3555045" y="2188422"/>
-              <a:ext cx="11175625" cy="7520954"/>
-            </a:xfrm>
-            <a:prstGeom prst="rect">
-              <a:avLst/>
-            </a:prstGeom>
-          </p:spPr>
-        </p:pic>
-      </p:grpSp>
+          <a:blip r:embed="rId7" cstate="print"/>
+          <a:stretch>
+            <a:fillRect/>
+          </a:stretch>
+        </p:blipFill>
+        <p:spPr>
+          <a:xfrm>
+            <a:off x="1276982" y="4538735"/>
+            <a:ext cx="3206268" cy="761886"/>
+          </a:xfrm>
+          <a:prstGeom prst="rect">
+            <a:avLst/>
+          </a:prstGeom>
+        </p:spPr>
+      </p:pic>
+      <p:pic>
+        <p:nvPicPr>
+          <p:cNvPr id="10" name="Object 9"/>
+          <p:cNvPicPr>
+            <a:picLocks noChangeAspect="1"/>
+          </p:cNvPicPr>
+          <p:nvPr/>
+        </p:nvPicPr>
+        <p:blipFill>
+          <a:blip r:embed="rId8" cstate="print"/>
+          <a:stretch>
+            <a:fillRect/>
+          </a:stretch>
+        </p:blipFill>
+        <p:spPr>
+          <a:xfrm>
+            <a:off x="11412763" y="6470982"/>
+            <a:ext cx="2449208" cy="761886"/>
+          </a:xfrm>
+          <a:prstGeom prst="rect">
+            <a:avLst/>
+          </a:prstGeom>
+        </p:spPr>
+      </p:pic>
+      <p:pic>
+        <p:nvPicPr>
+          <p:cNvPr id="11" name="Object 10"/>
+          <p:cNvPicPr>
+            <a:picLocks noChangeAspect="1"/>
+          </p:cNvPicPr>
+          <p:nvPr/>
+        </p:nvPicPr>
+        <p:blipFill>
+          <a:blip r:embed="rId9" cstate="print"/>
+          <a:stretch>
+            <a:fillRect/>
+          </a:stretch>
+        </p:blipFill>
+        <p:spPr>
+          <a:xfrm>
+            <a:off x="11430581" y="7259105"/>
+            <a:ext cx="1702810" cy="1523874"/>
+          </a:xfrm>
+          <a:prstGeom prst="rect">
+            <a:avLst/>
+          </a:prstGeom>
+        </p:spPr>
+      </p:pic>
+      <p:pic>
+        <p:nvPicPr>
+          <p:cNvPr id="12" name="Object 11"/>
+          <p:cNvPicPr>
+            <a:picLocks noChangeAspect="1"/>
+          </p:cNvPicPr>
+          <p:nvPr/>
+        </p:nvPicPr>
+        <p:blipFill>
+          <a:blip r:embed="rId10" cstate="print"/>
+          <a:stretch>
+            <a:fillRect/>
+          </a:stretch>
+        </p:blipFill>
+        <p:spPr>
+          <a:xfrm>
+            <a:off x="1276982" y="6388278"/>
+            <a:ext cx="3955968" cy="761886"/>
+          </a:xfrm>
+          <a:prstGeom prst="rect">
+            <a:avLst/>
+          </a:prstGeom>
+        </p:spPr>
+      </p:pic>
       <p:pic>
         <p:nvPicPr>
           <p:cNvPr id="13" name="Object 12"/>
@@ -4912,15 +4988,15 @@
           <p:nvPr/>
         </p:nvPicPr>
         <p:blipFill>
-          <a:blip r:embed="rId7" cstate="print"/>
-          <a:stretch>
-            <a:fillRect/>
-          </a:stretch>
-        </p:blipFill>
-        <p:spPr>
-          <a:xfrm>
-            <a:off x="7810474" y="9669682"/>
-            <a:ext cx="2065958" cy="529270"/>
+          <a:blip r:embed="rId11" cstate="print"/>
+          <a:stretch>
+            <a:fillRect/>
+          </a:stretch>
+        </p:blipFill>
+        <p:spPr>
+          <a:xfrm>
+            <a:off x="1296029" y="7117858"/>
+            <a:ext cx="4924331" cy="507925"/>
           </a:xfrm>
           <a:prstGeom prst="rect">
             <a:avLst/>
@@ -5094,10 +5170,10 @@
         </p:nvGrpSpPr>
         <p:grpSpPr>
           <a:xfrm>
-            <a:off x="2521977" y="3137676"/>
-            <a:ext cx="13241761" cy="4010362"/>
-            <a:chOff x="2521977" y="3137676"/>
-            <a:chExt cx="13241761" cy="4010362"/>
+            <a:off x="2866930" y="2069188"/>
+            <a:ext cx="12551855" cy="7267488"/>
+            <a:chOff x="2866930" y="2069188"/>
+            <a:chExt cx="12551855" cy="7267488"/>
           </a:xfrm>
         </p:grpSpPr>
         <p:pic>
@@ -5116,8 +5192,8 @@
           </p:blipFill>
           <p:spPr>
             <a:xfrm>
-              <a:off x="2521977" y="3137676"/>
-              <a:ext cx="13241761" cy="4010362"/>
+              <a:off x="2866930" y="2069188"/>
+              <a:ext cx="12551855" cy="7267488"/>
             </a:xfrm>
             <a:prstGeom prst="rect">
               <a:avLst/>
@@ -5141,8 +5217,8 @@
         </p:blipFill>
         <p:spPr>
           <a:xfrm>
-            <a:off x="7810476" y="7108343"/>
-            <a:ext cx="2529819" cy="529270"/>
+            <a:off x="7633105" y="9419857"/>
+            <a:ext cx="2608483" cy="529270"/>
           </a:xfrm>
           <a:prstGeom prst="rect">
             <a:avLst/>
@@ -5316,10 +5392,10 @@
         </p:nvGrpSpPr>
         <p:grpSpPr>
           <a:xfrm>
-            <a:off x="2677233" y="2765806"/>
-            <a:ext cx="12931248" cy="6153068"/>
-            <a:chOff x="2677233" y="2765806"/>
-            <a:chExt cx="12931248" cy="6153068"/>
+            <a:off x="3555045" y="2188422"/>
+            <a:ext cx="11175625" cy="7520954"/>
+            <a:chOff x="3555045" y="2188422"/>
+            <a:chExt cx="11175625" cy="7520954"/>
           </a:xfrm>
         </p:grpSpPr>
         <p:pic>
@@ -5338,8 +5414,8 @@
           </p:blipFill>
           <p:spPr>
             <a:xfrm>
-              <a:off x="2677233" y="2765806"/>
-              <a:ext cx="12931248" cy="6153068"/>
+              <a:off x="3555045" y="2188422"/>
+              <a:ext cx="11175625" cy="7520954"/>
             </a:xfrm>
             <a:prstGeom prst="rect">
               <a:avLst/>
@@ -5363,8 +5439,8 @@
         </p:blipFill>
         <p:spPr>
           <a:xfrm>
-            <a:off x="7308013" y="9085716"/>
-            <a:ext cx="3701813" cy="529270"/>
+            <a:off x="7810474" y="9669682"/>
+            <a:ext cx="2065958" cy="529270"/>
           </a:xfrm>
           <a:prstGeom prst="rect">
             <a:avLst/>
@@ -5538,10 +5614,10 @@
         </p:nvGrpSpPr>
         <p:grpSpPr>
           <a:xfrm>
-            <a:off x="4739860" y="2069188"/>
-            <a:ext cx="8805994" cy="7173664"/>
-            <a:chOff x="4739860" y="2069188"/>
-            <a:chExt cx="8805994" cy="7173664"/>
+            <a:off x="2521977" y="3137676"/>
+            <a:ext cx="13241761" cy="4010362"/>
+            <a:chOff x="2521977" y="3137676"/>
+            <a:chExt cx="13241761" cy="4010362"/>
           </a:xfrm>
         </p:grpSpPr>
         <p:pic>
@@ -5560,8 +5636,8 @@
           </p:blipFill>
           <p:spPr>
             <a:xfrm>
-              <a:off x="4739860" y="2069188"/>
-              <a:ext cx="8805994" cy="7173664"/>
+              <a:off x="2521977" y="3137676"/>
+              <a:ext cx="13241761" cy="4010362"/>
             </a:xfrm>
             <a:prstGeom prst="rect">
               <a:avLst/>
@@ -5569,6 +5645,30 @@
           </p:spPr>
         </p:pic>
       </p:grpSp>
+      <p:pic>
+        <p:nvPicPr>
+          <p:cNvPr id="13" name="Object 12"/>
+          <p:cNvPicPr>
+            <a:picLocks noChangeAspect="1"/>
+          </p:cNvPicPr>
+          <p:nvPr/>
+        </p:nvPicPr>
+        <p:blipFill>
+          <a:blip r:embed="rId7" cstate="print"/>
+          <a:stretch>
+            <a:fillRect/>
+          </a:stretch>
+        </p:blipFill>
+        <p:spPr>
+          <a:xfrm>
+            <a:off x="7810476" y="7108343"/>
+            <a:ext cx="2529819" cy="529270"/>
+          </a:xfrm>
+          <a:prstGeom prst="rect">
+            <a:avLst/>
+          </a:prstGeom>
+        </p:spPr>
+      </p:pic>
     </p:spTree>
   </p:cSld>
   <p:clrMapOvr>
@@ -5835,13 +5935,6 @@
   <p:clrMapOvr>
     <a:masterClrMapping/>
   </p:clrMapOvr>
-  <p:timing>
-    <p:tnLst>
-      <p:par>
-        <p:cTn id="1" dur="indefinite" restart="never" nodeType="tmRoot"/>
-      </p:par>
-    </p:tnLst>
-  </p:timing>
 </p:sld>
 </file>
 
@@ -6004,10 +6097,10 @@
         </p:nvGrpSpPr>
         <p:grpSpPr>
           <a:xfrm>
-            <a:off x="4561212" y="2069188"/>
-            <a:ext cx="9163291" cy="7165607"/>
-            <a:chOff x="4561212" y="2069188"/>
-            <a:chExt cx="9163291" cy="7165607"/>
+            <a:off x="2677233" y="2765806"/>
+            <a:ext cx="12931248" cy="6153068"/>
+            <a:chOff x="2677233" y="2765806"/>
+            <a:chExt cx="12931248" cy="6153068"/>
           </a:xfrm>
         </p:grpSpPr>
         <p:pic>
@@ -6026,8 +6119,8 @@
           </p:blipFill>
           <p:spPr>
             <a:xfrm>
-              <a:off x="4561212" y="2069188"/>
-              <a:ext cx="9163291" cy="7165607"/>
+              <a:off x="2677233" y="2765806"/>
+              <a:ext cx="12931248" cy="6153068"/>
             </a:xfrm>
             <a:prstGeom prst="rect">
               <a:avLst/>
@@ -6035,6 +6128,30 @@
           </p:spPr>
         </p:pic>
       </p:grpSp>
+      <p:pic>
+        <p:nvPicPr>
+          <p:cNvPr id="13" name="Object 12"/>
+          <p:cNvPicPr>
+            <a:picLocks noChangeAspect="1"/>
+          </p:cNvPicPr>
+          <p:nvPr/>
+        </p:nvPicPr>
+        <p:blipFill>
+          <a:blip r:embed="rId7" cstate="print"/>
+          <a:stretch>
+            <a:fillRect/>
+          </a:stretch>
+        </p:blipFill>
+        <p:spPr>
+          <a:xfrm>
+            <a:off x="7308013" y="9085716"/>
+            <a:ext cx="3701813" cy="529270"/>
+          </a:xfrm>
+          <a:prstGeom prst="rect">
+            <a:avLst/>
+          </a:prstGeom>
+        </p:spPr>
+      </p:pic>
     </p:spTree>
   </p:cSld>
   <p:clrMapOvr>
@@ -6084,56 +6201,8 @@
         </p:blipFill>
         <p:spPr>
           <a:xfrm>
-            <a:off x="1238966" y="905958"/>
-            <a:ext cx="4518252" cy="1260367"/>
-          </a:xfrm>
-          <a:prstGeom prst="rect">
-            <a:avLst/>
-          </a:prstGeom>
-        </p:spPr>
-      </p:pic>
-      <p:pic>
-        <p:nvPicPr>
-          <p:cNvPr id="3" name="Object 2"/>
-          <p:cNvPicPr>
-            <a:picLocks noChangeAspect="1"/>
-          </p:cNvPicPr>
-          <p:nvPr/>
-        </p:nvPicPr>
-        <p:blipFill>
-          <a:blip r:embed="rId3" cstate="print"/>
-          <a:stretch>
-            <a:fillRect/>
-          </a:stretch>
-        </p:blipFill>
-        <p:spPr>
-          <a:xfrm>
-            <a:off x="1294429" y="3106210"/>
-            <a:ext cx="6990327" cy="2985609"/>
-          </a:xfrm>
-          <a:prstGeom prst="rect">
-            <a:avLst/>
-          </a:prstGeom>
-        </p:spPr>
-      </p:pic>
-      <p:pic>
-        <p:nvPicPr>
-          <p:cNvPr id="4" name="Object 3"/>
-          <p:cNvPicPr>
-            <a:picLocks noChangeAspect="1"/>
-          </p:cNvPicPr>
-          <p:nvPr/>
-        </p:nvPicPr>
-        <p:blipFill>
-          <a:blip r:embed="rId4" cstate="print"/>
-          <a:stretch>
-            <a:fillRect/>
-          </a:stretch>
-        </p:blipFill>
-        <p:spPr>
-          <a:xfrm>
-            <a:off x="1276982" y="2512268"/>
-            <a:ext cx="3092370" cy="761886"/>
+            <a:off x="15819746" y="-379613"/>
+            <a:ext cx="2574197" cy="2595131"/>
           </a:xfrm>
           <a:prstGeom prst="rect">
             <a:avLst/>
@@ -6148,30 +6217,132 @@
         </p:nvGrpSpPr>
         <p:grpSpPr>
           <a:xfrm>
-            <a:off x="-4799610" y="5072813"/>
-            <a:ext cx="10639341" cy="493714"/>
-            <a:chOff x="-4799610" y="5072813"/>
-            <a:chExt cx="10639341" cy="493714"/>
+            <a:off x="403953" y="-175454"/>
+            <a:ext cx="1066307" cy="493714"/>
+            <a:chOff x="403953" y="-175454"/>
+            <a:chExt cx="1066307" cy="493714"/>
           </a:xfrm>
         </p:grpSpPr>
         <p:pic>
           <p:nvPicPr>
-            <p:cNvPr id="6" name="Object 5"/>
+            <p:cNvPr id="4" name="Object 3"/>
             <p:cNvPicPr>
               <a:picLocks noChangeAspect="1"/>
             </p:cNvPicPr>
             <p:nvPr/>
           </p:nvPicPr>
           <p:blipFill>
-            <a:blip r:embed="rId5" cstate="print"/>
+            <a:blip r:embed="rId3" cstate="print"/>
             <a:stretch>
               <a:fillRect/>
             </a:stretch>
           </p:blipFill>
           <p:spPr>
-            <a:xfrm rot="-16200000">
-              <a:off x="-4799610" y="5072813"/>
-              <a:ext cx="10639341" cy="493714"/>
+            <a:xfrm rot="10800000">
+              <a:off x="403953" y="-175454"/>
+              <a:ext cx="1066307" cy="493714"/>
+            </a:xfrm>
+            <a:prstGeom prst="rect">
+              <a:avLst/>
+            </a:prstGeom>
+          </p:spPr>
+        </p:pic>
+      </p:grpSp>
+      <p:grpSp>
+        <p:nvGrpSpPr>
+          <p:cNvPr id="1002" name="그룹 1002"/>
+          <p:cNvGrpSpPr/>
+          <p:nvPr/>
+        </p:nvGrpSpPr>
+        <p:grpSpPr>
+          <a:xfrm>
+            <a:off x="-1346366" y="1575474"/>
+            <a:ext cx="20293734" cy="493714"/>
+            <a:chOff x="-1346366" y="1575474"/>
+            <a:chExt cx="20293734" cy="493714"/>
+          </a:xfrm>
+        </p:grpSpPr>
+        <p:pic>
+          <p:nvPicPr>
+            <p:cNvPr id="7" name="Object 6"/>
+            <p:cNvPicPr>
+              <a:picLocks noChangeAspect="1"/>
+            </p:cNvPicPr>
+            <p:nvPr/>
+          </p:nvPicPr>
+          <p:blipFill>
+            <a:blip r:embed="rId4" cstate="print"/>
+            <a:stretch>
+              <a:fillRect/>
+            </a:stretch>
+          </p:blipFill>
+          <p:spPr>
+            <a:xfrm rot="10800000">
+              <a:off x="-1346366" y="1575474"/>
+              <a:ext cx="20293734" cy="493714"/>
+            </a:xfrm>
+            <a:prstGeom prst="rect">
+              <a:avLst/>
+            </a:prstGeom>
+          </p:spPr>
+        </p:pic>
+      </p:grpSp>
+      <p:pic>
+        <p:nvPicPr>
+          <p:cNvPr id="9" name="Object 8"/>
+          <p:cNvPicPr>
+            <a:picLocks noChangeAspect="1"/>
+          </p:cNvPicPr>
+          <p:nvPr/>
+        </p:nvPicPr>
+        <p:blipFill>
+          <a:blip r:embed="rId5" cstate="print"/>
+          <a:stretch>
+            <a:fillRect/>
+          </a:stretch>
+        </p:blipFill>
+        <p:spPr>
+          <a:xfrm>
+            <a:off x="809003" y="191005"/>
+            <a:ext cx="6081470" cy="1696737"/>
+          </a:xfrm>
+          <a:prstGeom prst="rect">
+            <a:avLst/>
+          </a:prstGeom>
+        </p:spPr>
+      </p:pic>
+      <p:grpSp>
+        <p:nvGrpSpPr>
+          <p:cNvPr id="1003" name="그룹 1003"/>
+          <p:cNvGrpSpPr/>
+          <p:nvPr/>
+        </p:nvGrpSpPr>
+        <p:grpSpPr>
+          <a:xfrm>
+            <a:off x="4739860" y="2069188"/>
+            <a:ext cx="8805994" cy="7173664"/>
+            <a:chOff x="4739860" y="2069188"/>
+            <a:chExt cx="8805994" cy="7173664"/>
+          </a:xfrm>
+        </p:grpSpPr>
+        <p:pic>
+          <p:nvPicPr>
+            <p:cNvPr id="11" name="Object 10"/>
+            <p:cNvPicPr>
+              <a:picLocks noChangeAspect="1"/>
+            </p:cNvPicPr>
+            <p:nvPr/>
+          </p:nvPicPr>
+          <p:blipFill>
+            <a:blip r:embed="rId6" cstate="print"/>
+            <a:stretch>
+              <a:fillRect/>
+            </a:stretch>
+          </p:blipFill>
+          <p:spPr>
+            <a:xfrm>
+              <a:off x="4739860" y="2069188"/>
+              <a:ext cx="8805994" cy="7173664"/>
             </a:xfrm>
             <a:prstGeom prst="rect">
               <a:avLst/>
@@ -6212,6 +6383,348 @@
           <a:chExt cx="0" cy="0"/>
         </a:xfrm>
       </p:grpSpPr>
+      <p:pic>
+        <p:nvPicPr>
+          <p:cNvPr id="2" name="Object 1"/>
+          <p:cNvPicPr>
+            <a:picLocks noChangeAspect="1"/>
+          </p:cNvPicPr>
+          <p:nvPr/>
+        </p:nvPicPr>
+        <p:blipFill>
+          <a:blip r:embed="rId2" cstate="print"/>
+          <a:stretch>
+            <a:fillRect/>
+          </a:stretch>
+        </p:blipFill>
+        <p:spPr>
+          <a:xfrm>
+            <a:off x="15819746" y="-379613"/>
+            <a:ext cx="2574197" cy="2595131"/>
+          </a:xfrm>
+          <a:prstGeom prst="rect">
+            <a:avLst/>
+          </a:prstGeom>
+        </p:spPr>
+      </p:pic>
+      <p:grpSp>
+        <p:nvGrpSpPr>
+          <p:cNvPr id="1001" name="그룹 1001"/>
+          <p:cNvGrpSpPr/>
+          <p:nvPr/>
+        </p:nvGrpSpPr>
+        <p:grpSpPr>
+          <a:xfrm>
+            <a:off x="403953" y="-175454"/>
+            <a:ext cx="1066307" cy="493714"/>
+            <a:chOff x="403953" y="-175454"/>
+            <a:chExt cx="1066307" cy="493714"/>
+          </a:xfrm>
+        </p:grpSpPr>
+        <p:pic>
+          <p:nvPicPr>
+            <p:cNvPr id="4" name="Object 3"/>
+            <p:cNvPicPr>
+              <a:picLocks noChangeAspect="1"/>
+            </p:cNvPicPr>
+            <p:nvPr/>
+          </p:nvPicPr>
+          <p:blipFill>
+            <a:blip r:embed="rId3" cstate="print"/>
+            <a:stretch>
+              <a:fillRect/>
+            </a:stretch>
+          </p:blipFill>
+          <p:spPr>
+            <a:xfrm rot="10800000">
+              <a:off x="403953" y="-175454"/>
+              <a:ext cx="1066307" cy="493714"/>
+            </a:xfrm>
+            <a:prstGeom prst="rect">
+              <a:avLst/>
+            </a:prstGeom>
+          </p:spPr>
+        </p:pic>
+      </p:grpSp>
+      <p:grpSp>
+        <p:nvGrpSpPr>
+          <p:cNvPr id="1002" name="그룹 1002"/>
+          <p:cNvGrpSpPr/>
+          <p:nvPr/>
+        </p:nvGrpSpPr>
+        <p:grpSpPr>
+          <a:xfrm>
+            <a:off x="-1346366" y="1575474"/>
+            <a:ext cx="20293734" cy="493714"/>
+            <a:chOff x="-1346366" y="1575474"/>
+            <a:chExt cx="20293734" cy="493714"/>
+          </a:xfrm>
+        </p:grpSpPr>
+        <p:pic>
+          <p:nvPicPr>
+            <p:cNvPr id="7" name="Object 6"/>
+            <p:cNvPicPr>
+              <a:picLocks noChangeAspect="1"/>
+            </p:cNvPicPr>
+            <p:nvPr/>
+          </p:nvPicPr>
+          <p:blipFill>
+            <a:blip r:embed="rId4" cstate="print"/>
+            <a:stretch>
+              <a:fillRect/>
+            </a:stretch>
+          </p:blipFill>
+          <p:spPr>
+            <a:xfrm rot="10800000">
+              <a:off x="-1346366" y="1575474"/>
+              <a:ext cx="20293734" cy="493714"/>
+            </a:xfrm>
+            <a:prstGeom prst="rect">
+              <a:avLst/>
+            </a:prstGeom>
+          </p:spPr>
+        </p:pic>
+      </p:grpSp>
+      <p:pic>
+        <p:nvPicPr>
+          <p:cNvPr id="9" name="Object 8"/>
+          <p:cNvPicPr>
+            <a:picLocks noChangeAspect="1"/>
+          </p:cNvPicPr>
+          <p:nvPr/>
+        </p:nvPicPr>
+        <p:blipFill>
+          <a:blip r:embed="rId5" cstate="print"/>
+          <a:stretch>
+            <a:fillRect/>
+          </a:stretch>
+        </p:blipFill>
+        <p:spPr>
+          <a:xfrm>
+            <a:off x="809003" y="191005"/>
+            <a:ext cx="6081470" cy="1696737"/>
+          </a:xfrm>
+          <a:prstGeom prst="rect">
+            <a:avLst/>
+          </a:prstGeom>
+        </p:spPr>
+      </p:pic>
+      <p:grpSp>
+        <p:nvGrpSpPr>
+          <p:cNvPr id="1003" name="그룹 1003"/>
+          <p:cNvGrpSpPr/>
+          <p:nvPr/>
+        </p:nvGrpSpPr>
+        <p:grpSpPr>
+          <a:xfrm>
+            <a:off x="4561212" y="2069188"/>
+            <a:ext cx="9163291" cy="7165607"/>
+            <a:chOff x="4561212" y="2069188"/>
+            <a:chExt cx="9163291" cy="7165607"/>
+          </a:xfrm>
+        </p:grpSpPr>
+        <p:pic>
+          <p:nvPicPr>
+            <p:cNvPr id="11" name="Object 10"/>
+            <p:cNvPicPr>
+              <a:picLocks noChangeAspect="1"/>
+            </p:cNvPicPr>
+            <p:nvPr/>
+          </p:nvPicPr>
+          <p:blipFill>
+            <a:blip r:embed="rId6" cstate="print"/>
+            <a:stretch>
+              <a:fillRect/>
+            </a:stretch>
+          </p:blipFill>
+          <p:spPr>
+            <a:xfrm>
+              <a:off x="4561212" y="2069188"/>
+              <a:ext cx="9163291" cy="7165607"/>
+            </a:xfrm>
+            <a:prstGeom prst="rect">
+              <a:avLst/>
+            </a:prstGeom>
+          </p:spPr>
+        </p:pic>
+      </p:grpSp>
+    </p:spTree>
+  </p:cSld>
+  <p:clrMapOvr>
+    <a:masterClrMapping/>
+  </p:clrMapOvr>
+</p:sld>
+</file>
+
+<file path=ppt/slides/slide23.xml><?xml version="1.0" encoding="utf-8"?>
+<p:sld xmlns:a="http://schemas.openxmlformats.org/drawingml/2006/main" xmlns:r="http://schemas.openxmlformats.org/officeDocument/2006/relationships" xmlns:p="http://schemas.openxmlformats.org/presentationml/2006/main">
+  <p:cSld name="Slide 23">
+    <p:bg>
+      <p:bgPr>
+        <a:solidFill>
+          <a:srgbClr val="FFFFFF"/>
+        </a:solidFill>
+        <a:effectLst/>
+      </p:bgPr>
+    </p:bg>
+    <p:spTree>
+      <p:nvGrpSpPr>
+        <p:cNvPr id="1" name=""/>
+        <p:cNvGrpSpPr/>
+        <p:nvPr/>
+      </p:nvGrpSpPr>
+      <p:grpSpPr>
+        <a:xfrm>
+          <a:off x="0" y="0"/>
+          <a:ext cx="0" cy="0"/>
+          <a:chOff x="0" y="0"/>
+          <a:chExt cx="0" cy="0"/>
+        </a:xfrm>
+      </p:grpSpPr>
+      <p:pic>
+        <p:nvPicPr>
+          <p:cNvPr id="2" name="Object 1"/>
+          <p:cNvPicPr>
+            <a:picLocks noChangeAspect="1"/>
+          </p:cNvPicPr>
+          <p:nvPr/>
+        </p:nvPicPr>
+        <p:blipFill>
+          <a:blip r:embed="rId2" cstate="print"/>
+          <a:stretch>
+            <a:fillRect/>
+          </a:stretch>
+        </p:blipFill>
+        <p:spPr>
+          <a:xfrm>
+            <a:off x="1238966" y="905958"/>
+            <a:ext cx="4518252" cy="1260367"/>
+          </a:xfrm>
+          <a:prstGeom prst="rect">
+            <a:avLst/>
+          </a:prstGeom>
+        </p:spPr>
+      </p:pic>
+      <p:pic>
+        <p:nvPicPr>
+          <p:cNvPr id="3" name="Object 2"/>
+          <p:cNvPicPr>
+            <a:picLocks noChangeAspect="1"/>
+          </p:cNvPicPr>
+          <p:nvPr/>
+        </p:nvPicPr>
+        <p:blipFill>
+          <a:blip r:embed="rId3" cstate="print"/>
+          <a:stretch>
+            <a:fillRect/>
+          </a:stretch>
+        </p:blipFill>
+        <p:spPr>
+          <a:xfrm>
+            <a:off x="1294429" y="3106210"/>
+            <a:ext cx="6990327" cy="2985609"/>
+          </a:xfrm>
+          <a:prstGeom prst="rect">
+            <a:avLst/>
+          </a:prstGeom>
+        </p:spPr>
+      </p:pic>
+      <p:pic>
+        <p:nvPicPr>
+          <p:cNvPr id="4" name="Object 3"/>
+          <p:cNvPicPr>
+            <a:picLocks noChangeAspect="1"/>
+          </p:cNvPicPr>
+          <p:nvPr/>
+        </p:nvPicPr>
+        <p:blipFill>
+          <a:blip r:embed="rId4" cstate="print"/>
+          <a:stretch>
+            <a:fillRect/>
+          </a:stretch>
+        </p:blipFill>
+        <p:spPr>
+          <a:xfrm>
+            <a:off x="1276982" y="2512268"/>
+            <a:ext cx="3092370" cy="761886"/>
+          </a:xfrm>
+          <a:prstGeom prst="rect">
+            <a:avLst/>
+          </a:prstGeom>
+        </p:spPr>
+      </p:pic>
+      <p:grpSp>
+        <p:nvGrpSpPr>
+          <p:cNvPr id="1001" name="그룹 1001"/>
+          <p:cNvGrpSpPr/>
+          <p:nvPr/>
+        </p:nvGrpSpPr>
+        <p:grpSpPr>
+          <a:xfrm>
+            <a:off x="-4799610" y="5072813"/>
+            <a:ext cx="10639341" cy="493714"/>
+            <a:chOff x="-4799610" y="5072813"/>
+            <a:chExt cx="10639341" cy="493714"/>
+          </a:xfrm>
+        </p:grpSpPr>
+        <p:pic>
+          <p:nvPicPr>
+            <p:cNvPr id="6" name="Object 5"/>
+            <p:cNvPicPr>
+              <a:picLocks noChangeAspect="1"/>
+            </p:cNvPicPr>
+            <p:nvPr/>
+          </p:nvPicPr>
+          <p:blipFill>
+            <a:blip r:embed="rId5" cstate="print"/>
+            <a:stretch>
+              <a:fillRect/>
+            </a:stretch>
+          </p:blipFill>
+          <p:spPr>
+            <a:xfrm rot="-16200000">
+              <a:off x="-4799610" y="5072813"/>
+              <a:ext cx="10639341" cy="493714"/>
+            </a:xfrm>
+            <a:prstGeom prst="rect">
+              <a:avLst/>
+            </a:prstGeom>
+          </p:spPr>
+        </p:pic>
+      </p:grpSp>
+    </p:spTree>
+  </p:cSld>
+  <p:clrMapOvr>
+    <a:masterClrMapping/>
+  </p:clrMapOvr>
+</p:sld>
+</file>
+
+<file path=ppt/slides/slide24.xml><?xml version="1.0" encoding="utf-8"?>
+<p:sld xmlns:a="http://schemas.openxmlformats.org/drawingml/2006/main" xmlns:r="http://schemas.openxmlformats.org/officeDocument/2006/relationships" xmlns:p="http://schemas.openxmlformats.org/presentationml/2006/main">
+  <p:cSld name="Slide 24">
+    <p:bg>
+      <p:bgPr>
+        <a:solidFill>
+          <a:srgbClr val="FFFFFF"/>
+        </a:solidFill>
+        <a:effectLst/>
+      </p:bgPr>
+    </p:bg>
+    <p:spTree>
+      <p:nvGrpSpPr>
+        <p:cNvPr id="1" name=""/>
+        <p:cNvGrpSpPr/>
+        <p:nvPr/>
+      </p:nvGrpSpPr>
+      <p:grpSpPr>
+        <a:xfrm>
+          <a:off x="0" y="0"/>
+          <a:ext cx="0" cy="0"/>
+          <a:chOff x="0" y="0"/>
+          <a:chExt cx="0" cy="0"/>
+        </a:xfrm>
+      </p:grpSpPr>
       <p:grpSp>
         <p:nvGrpSpPr>
           <p:cNvPr id="1001" name="그룹 1001"/>
@@ -6450,13 +6963,6 @@
   <p:clrMapOvr>
     <a:masterClrMapping/>
   </p:clrMapOvr>
-  <p:timing>
-    <p:tnLst>
-      <p:par>
-        <p:cTn id="1" dur="indefinite" restart="never" nodeType="tmRoot"/>
-      </p:par>
-    </p:tnLst>
-  </p:timing>
 </p:sld>
 </file>
 
@@ -6832,13 +7338,6 @@
   <p:clrMapOvr>
     <a:masterClrMapping/>
   </p:clrMapOvr>
-  <p:timing>
-    <p:tnLst>
-      <p:par>
-        <p:cTn id="1" dur="indefinite" restart="never" nodeType="tmRoot"/>
-      </p:par>
-    </p:tnLst>
-  </p:timing>
 </p:sld>
 </file>
 
@@ -7986,7 +8485,57 @@
         </p:blipFill>
         <p:spPr>
           <a:xfrm>
-            <a:off x="5912005" y="8939463"/>
+            <a:off x="11754885" y="8939460"/>
+            <a:ext cx="741915" cy="1253169"/>
+          </a:xfrm>
+          <a:prstGeom prst="rect">
+            <a:avLst/>
+          </a:prstGeom>
+        </p:spPr>
+      </p:pic>
+      <p:pic>
+        <p:nvPicPr>
+          <p:cNvPr id="9" name="Object 8">
+            <a:hlinkClick r:id="rId8"/>
+          </p:cNvPr>
+          <p:cNvPicPr>
+            <a:picLocks noChangeAspect="1"/>
+          </p:cNvPicPr>
+          <p:nvPr/>
+        </p:nvPicPr>
+        <p:blipFill>
+          <a:blip r:embed="rId9" cstate="print"/>
+          <a:stretch>
+            <a:fillRect/>
+          </a:stretch>
+        </p:blipFill>
+        <p:spPr>
+          <a:xfrm>
+            <a:off x="12763695" y="8939460"/>
+            <a:ext cx="723705" cy="1253169"/>
+          </a:xfrm>
+          <a:prstGeom prst="rect">
+            <a:avLst/>
+          </a:prstGeom>
+        </p:spPr>
+      </p:pic>
+      <p:pic>
+        <p:nvPicPr>
+          <p:cNvPr id="10" name="Object 9"/>
+          <p:cNvPicPr>
+            <a:picLocks noChangeAspect="1"/>
+          </p:cNvPicPr>
+          <p:nvPr/>
+        </p:nvPicPr>
+        <p:blipFill>
+          <a:blip r:embed="rId10" cstate="print"/>
+          <a:stretch>
+            <a:fillRect/>
+          </a:stretch>
+        </p:blipFill>
+        <p:spPr>
+          <a:xfrm>
+            <a:off x="5105400" y="8939463"/>
             <a:ext cx="6237681" cy="1253169"/>
           </a:xfrm>
           <a:prstGeom prst="rect">
